--- a/translations/pt/lessons/ViewingSensorValues.pptx
+++ b/translations/pt/lessons/ViewingSensorValues.pptx
@@ -220,7 +220,7 @@
           <a:p>
             <a:fld id="{58040048-1E4D-CD41-AC49-0750EB72586B}" type="datetimeFigureOut">
               <a:rPr lang="en-US" smtClean="0"/>
-              <a:t>01/08/2020</a:t>
+              <a:t>6/6/2020</a:t>
             </a:fld>
             <a:endParaRPr lang="en-US"/>
           </a:p>
@@ -286,7 +286,7 @@
           <a:p>
             <a:fld id="{760592D1-055B-824F-99E1-F69F9F11B539}" type="slidenum">
               <a:rPr lang="en-US" smtClean="0"/>
-              <a:t>‹#›</a:t>
+              <a:t>‹nº›</a:t>
             </a:fld>
             <a:endParaRPr lang="en-US"/>
           </a:p>
@@ -386,7 +386,7 @@
           <a:p>
             <a:fld id="{2B8484CF-5098-F24E-8881-583515D5C406}" type="datetimeFigureOut">
               <a:rPr lang="en-US" smtClean="0"/>
-              <a:t>01/08/2020</a:t>
+              <a:t>6/6/2020</a:t>
             </a:fld>
             <a:endParaRPr lang="en-US"/>
           </a:p>
@@ -544,7 +544,7 @@
           <a:p>
             <a:fld id="{A6B67714-547E-8A4E-AE1C-9E3378A836DF}" type="slidenum">
               <a:rPr lang="en-US" smtClean="0"/>
-              <a:t>‹#›</a:t>
+              <a:t>‹nº›</a:t>
             </a:fld>
             <a:endParaRPr lang="en-US"/>
           </a:p>
@@ -1609,7 +1609,7 @@
           <a:p>
             <a:fld id="{BBD74847-7BE4-4E4D-8159-51DF7B93C616}" type="slidenum">
               <a:rPr lang="en-US" smtClean="0"/>
-              <a:t>‹#›</a:t>
+              <a:t>‹nº›</a:t>
             </a:fld>
             <a:endParaRPr lang="en-US"/>
           </a:p>
@@ -1874,7 +1874,7 @@
           <a:p>
             <a:fld id="{BBD74847-7BE4-4E4D-8159-51DF7B93C616}" type="slidenum">
               <a:rPr lang="en-US" smtClean="0"/>
-              <a:t>‹#›</a:t>
+              <a:t>‹nº›</a:t>
             </a:fld>
             <a:endParaRPr lang="en-US"/>
           </a:p>
@@ -2106,7 +2106,7 @@
           <a:p>
             <a:fld id="{BBD74847-7BE4-4E4D-8159-51DF7B93C616}" type="slidenum">
               <a:rPr lang="en-US" smtClean="0"/>
-              <a:t>‹#›</a:t>
+              <a:t>‹nº›</a:t>
             </a:fld>
             <a:endParaRPr lang="en-US"/>
           </a:p>
@@ -2490,7 +2490,7 @@
           <a:p>
             <a:fld id="{BBD74847-7BE4-4E4D-8159-51DF7B93C616}" type="slidenum">
               <a:rPr lang="en-US" smtClean="0"/>
-              <a:t>‹#›</a:t>
+              <a:t>‹nº›</a:t>
             </a:fld>
             <a:endParaRPr lang="en-US"/>
           </a:p>
@@ -2904,7 +2904,7 @@
           <a:p>
             <a:fld id="{BBD74847-7BE4-4E4D-8159-51DF7B93C616}" type="slidenum">
               <a:rPr lang="en-US" smtClean="0"/>
-              <a:t>‹#›</a:t>
+              <a:t>‹nº›</a:t>
             </a:fld>
             <a:endParaRPr lang="en-US"/>
           </a:p>
@@ -3412,7 +3412,7 @@
           <a:p>
             <a:fld id="{BBD74847-7BE4-4E4D-8159-51DF7B93C616}" type="slidenum">
               <a:rPr lang="en-US" smtClean="0"/>
-              <a:t>‹#›</a:t>
+              <a:t>‹nº›</a:t>
             </a:fld>
             <a:endParaRPr lang="en-US"/>
           </a:p>
@@ -3609,7 +3609,7 @@
           <a:p>
             <a:fld id="{BBD74847-7BE4-4E4D-8159-51DF7B93C616}" type="slidenum">
               <a:rPr lang="en-US" smtClean="0"/>
-              <a:t>‹#›</a:t>
+              <a:t>‹nº›</a:t>
             </a:fld>
             <a:endParaRPr lang="en-US"/>
           </a:p>
@@ -3898,7 +3898,7 @@
           <a:p>
             <a:fld id="{BBD74847-7BE4-4E4D-8159-51DF7B93C616}" type="slidenum">
               <a:rPr lang="en-US" smtClean="0"/>
-              <a:t>‹#›</a:t>
+              <a:t>‹nº›</a:t>
             </a:fld>
             <a:endParaRPr lang="en-US"/>
           </a:p>
@@ -4394,7 +4394,7 @@
           <a:p>
             <a:fld id="{BBD74847-7BE4-4E4D-8159-51DF7B93C616}" type="slidenum">
               <a:rPr lang="en-US" smtClean="0"/>
-              <a:t>‹#›</a:t>
+              <a:t>‹nº›</a:t>
             </a:fld>
             <a:endParaRPr lang="en-US"/>
           </a:p>
@@ -4685,7 +4685,7 @@
           <a:p>
             <a:fld id="{BBD74847-7BE4-4E4D-8159-51DF7B93C616}" type="slidenum">
               <a:rPr lang="en-US" smtClean="0"/>
-              <a:t>‹#›</a:t>
+              <a:t>‹nº›</a:t>
             </a:fld>
             <a:endParaRPr lang="en-US"/>
           </a:p>
@@ -5014,7 +5014,7 @@
             <a:fld id="{BBD74847-7BE4-4E4D-8159-51DF7B93C616}" type="slidenum">
               <a:rPr lang="en-US" smtClean="0"/>
               <a:pPr/>
-              <a:t>‹#›</a:t>
+              <a:t>‹nº›</a:t>
             </a:fld>
             <a:endParaRPr lang="en-US"/>
           </a:p>
@@ -5489,9 +5489,18 @@
           <a:lstStyle/>
           <a:p>
             <a:r>
+              <a:rPr lang="en-US" dirty="0" err="1"/>
+              <a:t>Visualizando</a:t>
+            </a:r>
+            <a:r>
               <a:rPr lang="en-US" dirty="0"/>
-              <a:t>Viewing sensor values</a:t>
-            </a:r>
+              <a:t> dados de </a:t>
+            </a:r>
+            <a:r>
+              <a:rPr lang="en-US" dirty="0" err="1"/>
+              <a:t>sensores</a:t>
+            </a:r>
+            <a:endParaRPr lang="en-US" dirty="0"/>
           </a:p>
         </p:txBody>
       </p:sp>
@@ -5518,7 +5527,7 @@
           <a:p>
             <a:r>
               <a:rPr lang="en-US" dirty="0"/>
-              <a:t>BY SANJAY AND ARVIND SESHAN</a:t>
+              <a:t>por SANJAY e ARVIND SESHAN</a:t>
             </a:r>
           </a:p>
         </p:txBody>
@@ -5569,9 +5578,10 @@
           <a:lstStyle/>
           <a:p>
             <a:r>
-              <a:rPr lang="en-US" dirty="0"/>
-              <a:t>CREDITS</a:t>
-            </a:r>
+              <a:rPr lang="en-US" dirty="0" err="1"/>
+              <a:t>CRédiToS</a:t>
+            </a:r>
+            <a:endParaRPr lang="en-US" dirty="0"/>
           </a:p>
         </p:txBody>
       </p:sp>
@@ -5593,20 +5603,111 @@
         </p:spPr>
         <p:txBody>
           <a:bodyPr>
-            <a:normAutofit/>
+            <a:normAutofit lnSpcReduction="10000"/>
           </a:bodyPr>
           <a:lstStyle/>
           <a:p>
             <a:r>
+              <a:rPr lang="en-US" sz="1600" dirty="0" err="1"/>
+              <a:t>Esse</a:t>
+            </a:r>
+            <a:r>
               <a:rPr lang="en-US" sz="1600" dirty="0"/>
-              <a:t>This lesson was created by Sanjay Seshan and Arvind Seshan for SPIKE Prime Lessons</a:t>
-            </a:r>
-          </a:p>
-          <a:p>
+              <a:t> tutorial </a:t>
+            </a:r>
+            <a:r>
+              <a:rPr lang="en-US" sz="1600" dirty="0" err="1"/>
+              <a:t>foi</a:t>
+            </a:r>
             <a:r>
               <a:rPr lang="en-US" sz="1600" dirty="0"/>
-              <a:t>More lessons are available at www.primelessons.org</a:t>
-            </a:r>
+              <a:t> </a:t>
+            </a:r>
+            <a:r>
+              <a:rPr lang="en-US" sz="1600" dirty="0" err="1"/>
+              <a:t>criado</a:t>
+            </a:r>
+            <a:r>
+              <a:rPr lang="en-US" sz="1600" dirty="0"/>
+              <a:t> por Sanjay </a:t>
+            </a:r>
+            <a:r>
+              <a:rPr lang="en-US" sz="1600" dirty="0" err="1"/>
+              <a:t>Seshan</a:t>
+            </a:r>
+            <a:r>
+              <a:rPr lang="en-US" sz="1600" dirty="0"/>
+              <a:t> e Arvind </a:t>
+            </a:r>
+            <a:r>
+              <a:rPr lang="en-US" sz="1600" dirty="0" err="1"/>
+              <a:t>Seshan</a:t>
+            </a:r>
+            <a:r>
+              <a:rPr lang="en-US" sz="1600" dirty="0"/>
+              <a:t> para SPIKE Prime Lessons</a:t>
+            </a:r>
+          </a:p>
+          <a:p>
+            <a:r>
+              <a:rPr lang="en-US" sz="1600" dirty="0" err="1"/>
+              <a:t>Mais</a:t>
+            </a:r>
+            <a:r>
+              <a:rPr lang="en-US" sz="1600" dirty="0"/>
+              <a:t> </a:t>
+            </a:r>
+            <a:r>
+              <a:rPr lang="en-US" sz="1600" dirty="0" err="1"/>
+              <a:t>tutoriais</a:t>
+            </a:r>
+            <a:r>
+              <a:rPr lang="en-US" sz="1600" dirty="0"/>
+              <a:t> </a:t>
+            </a:r>
+            <a:r>
+              <a:rPr lang="en-US" sz="1600" dirty="0" err="1"/>
+              <a:t>em</a:t>
+            </a:r>
+            <a:r>
+              <a:rPr lang="en-US" sz="1600" dirty="0"/>
+              <a:t> </a:t>
+            </a:r>
+            <a:r>
+              <a:rPr lang="en-US" sz="1600" dirty="0">
+                <a:hlinkClick r:id="rId2"/>
+              </a:rPr>
+              <a:t>www.primelessons.org</a:t>
+            </a:r>
+            <a:endParaRPr lang="en-US" sz="1600" dirty="0"/>
+          </a:p>
+          <a:p>
+            <a:r>
+              <a:rPr lang="en-US" sz="1600" dirty="0" err="1"/>
+              <a:t>Traduzido</a:t>
+            </a:r>
+            <a:r>
+              <a:rPr lang="en-US" sz="1600" dirty="0"/>
+              <a:t> para o </a:t>
+            </a:r>
+            <a:r>
+              <a:rPr lang="en-US" sz="1600" dirty="0" err="1"/>
+              <a:t>português</a:t>
+            </a:r>
+            <a:r>
+              <a:rPr lang="en-US" sz="1600" dirty="0"/>
+              <a:t> por </a:t>
+            </a:r>
+            <a:r>
+              <a:rPr lang="en-US" sz="1600"/>
+              <a:t>Lucas Colonna</a:t>
+            </a:r>
+          </a:p>
+          <a:p>
+            <a:pPr marL="0" indent="0">
+              <a:buNone/>
+            </a:pPr>
+            <a:endParaRPr lang="en-US" sz="1600" dirty="0"/>
           </a:p>
         </p:txBody>
       </p:sp>
@@ -5876,7 +5977,7 @@
                 </a:solidFill>
                 <a:effectLst/>
                 <a:latin typeface="Helvetica Neue"/>
-                <a:hlinkClick r:id="rId2"/>
+                <a:hlinkClick r:id="rId3"/>
               </a:rPr>
               <a:t>Creative Commons Attribution-</a:t>
             </a:r>
@@ -5890,7 +5991,7 @@
                 </a:solidFill>
                 <a:effectLst/>
                 <a:latin typeface="Helvetica Neue"/>
-                <a:hlinkClick r:id="rId2"/>
+                <a:hlinkClick r:id="rId3"/>
               </a:rPr>
               <a:t>NonCommercial</a:t>
             </a:r>
@@ -5904,7 +6005,7 @@
                 </a:solidFill>
                 <a:effectLst/>
                 <a:latin typeface="Helvetica Neue"/>
-                <a:hlinkClick r:id="rId2"/>
+                <a:hlinkClick r:id="rId3"/>
               </a:rPr>
               <a:t>-</a:t>
             </a:r>
@@ -5918,7 +6019,7 @@
                 </a:solidFill>
                 <a:effectLst/>
                 <a:latin typeface="Helvetica Neue"/>
-                <a:hlinkClick r:id="rId2"/>
+                <a:hlinkClick r:id="rId3"/>
               </a:rPr>
               <a:t>ShareAlike</a:t>
             </a:r>
@@ -5932,7 +6033,7 @@
                 </a:solidFill>
                 <a:effectLst/>
                 <a:latin typeface="Helvetica Neue"/>
-                <a:hlinkClick r:id="rId2"/>
+                <a:hlinkClick r:id="rId3"/>
               </a:rPr>
               <a:t> 4.0 International License</a:t>
             </a:r>
@@ -5977,7 +6078,7 @@
       <p:pic>
         <p:nvPicPr>
           <p:cNvPr id="6" name="Picture 5" descr="Creative Commons License">
-            <a:hlinkClick r:id="rId2"/>
+            <a:hlinkClick r:id="rId3"/>
           </p:cNvPr>
           <p:cNvPicPr>
             <a:picLocks noChangeAspect="1" noChangeArrowheads="1"/>
@@ -5985,7 +6086,7 @@
           <p:nvPr/>
         </p:nvPicPr>
         <p:blipFill>
-          <a:blip r:embed="rId3">
+          <a:blip r:embed="rId4">
             <a:extLst>
               <a:ext uri="{28A0092B-C50C-407E-A947-70E740481C1C}">
                 <a14:useLocalDpi xmlns:a14="http://schemas.microsoft.com/office/drawing/2010/main" val="0"/>
@@ -6092,9 +6193,10 @@
           <a:lstStyle/>
           <a:p>
             <a:r>
-              <a:rPr lang="en-US" dirty="0"/>
-              <a:t>Lesson Objectives</a:t>
-            </a:r>
+              <a:rPr lang="en-US" dirty="0" err="1"/>
+              <a:t>Objetivos</a:t>
+            </a:r>
+            <a:endParaRPr lang="en-US" dirty="0"/>
           </a:p>
         </p:txBody>
       </p:sp>
@@ -6119,12 +6221,45 @@
           <a:lstStyle/>
           <a:p>
             <a:r>
+              <a:rPr lang="en-US" dirty="0" err="1"/>
+              <a:t>Aprender</a:t>
+            </a:r>
+            <a:r>
               <a:rPr lang="en-US" dirty="0"/>
-              <a:t>Learn how to view sensor values on SPIKE Prime</a:t>
-            </a:r>
-          </a:p>
-          <a:p>
-            <a:endParaRPr lang="en-US" dirty="0"/>
+              <a:t> a </a:t>
+            </a:r>
+            <a:r>
+              <a:rPr lang="en-US" dirty="0" err="1"/>
+              <a:t>ver</a:t>
+            </a:r>
+            <a:r>
+              <a:rPr lang="en-US" dirty="0"/>
+              <a:t> </a:t>
+            </a:r>
+            <a:r>
+              <a:rPr lang="en-US" dirty="0" err="1"/>
+              <a:t>os</a:t>
+            </a:r>
+            <a:r>
+              <a:rPr lang="en-US" dirty="0"/>
+              <a:t> </a:t>
+            </a:r>
+            <a:r>
+              <a:rPr lang="en-US" dirty="0" err="1"/>
+              <a:t>valores</a:t>
+            </a:r>
+            <a:r>
+              <a:rPr lang="en-US" dirty="0"/>
+              <a:t> de </a:t>
+            </a:r>
+            <a:r>
+              <a:rPr lang="en-US" dirty="0" err="1"/>
+              <a:t>sensores</a:t>
+            </a:r>
+            <a:r>
+              <a:rPr lang="en-US" dirty="0"/>
+              <a:t> no Spike Prime</a:t>
+            </a:r>
           </a:p>
           <a:p>
             <a:endParaRPr lang="en-US" dirty="0"/>
@@ -6264,12 +6399,30 @@
         </p:nvSpPr>
         <p:spPr/>
         <p:txBody>
-          <a:bodyPr/>
+          <a:bodyPr>
+            <a:normAutofit/>
+          </a:bodyPr>
           <a:lstStyle/>
           <a:p>
             <a:r>
               <a:rPr lang="en-US" dirty="0"/>
-              <a:t>Why do you need sensor data?</a:t>
+              <a:t>Por que </a:t>
+            </a:r>
+            <a:r>
+              <a:rPr lang="en-US" dirty="0" err="1"/>
+              <a:t>você</a:t>
+            </a:r>
+            <a:r>
+              <a:rPr lang="en-US" dirty="0"/>
+              <a:t> </a:t>
+            </a:r>
+            <a:r>
+              <a:rPr lang="en-US" dirty="0" err="1"/>
+              <a:t>precisa</a:t>
+            </a:r>
+            <a:r>
+              <a:rPr lang="en-US" dirty="0"/>
+              <a:t> dos dados de sensors?</a:t>
             </a:r>
           </a:p>
         </p:txBody>
@@ -6296,38 +6449,40 @@
           <a:lstStyle/>
           <a:p>
             <a:r>
-              <a:rPr lang="en-US" dirty="0"/>
-              <a:t>Sensor data can be…. </a:t>
+              <a:rPr lang="pt-BR" dirty="0"/>
+              <a:t>Dados de sensores podem...</a:t>
             </a:r>
           </a:p>
           <a:p>
             <a:pPr lvl="1"/>
             <a:r>
-              <a:rPr lang="en-US" dirty="0"/>
-              <a:t>Used to help program more easily (no more guess and check!!) </a:t>
+              <a:rPr lang="pt-BR" dirty="0"/>
+              <a:t>Ser usados para programas com mais facilidade (sem chutes!)</a:t>
             </a:r>
           </a:p>
           <a:p>
             <a:pPr lvl="1"/>
             <a:r>
-              <a:rPr lang="en-US" dirty="0"/>
-              <a:t>Used to help program more accurately </a:t>
+              <a:rPr lang="pt-BR" dirty="0"/>
+              <a:t>Ser usados para programar com mais precisão</a:t>
             </a:r>
           </a:p>
           <a:p>
             <a:pPr lvl="1"/>
             <a:r>
-              <a:rPr lang="en-US" dirty="0"/>
-              <a:t>Used to debug code as well as build issues</a:t>
-            </a:r>
-          </a:p>
-          <a:p>
-            <a:endParaRPr lang="en-US" dirty="0"/>
-          </a:p>
-          <a:p>
-            <a:r>
-              <a:rPr lang="en-US" dirty="0"/>
-              <a:t>SPIKE Prime has no screen, but you can still view sensor data using the Hub Dashboard</a:t>
+              <a:rPr lang="pt-BR" dirty="0"/>
+              <a:t>Ser usados para resolver bugs e problemas de </a:t>
+            </a:r>
+            <a:r>
+              <a:rPr lang="pt-BR" dirty="0" err="1"/>
+              <a:t>contrução</a:t>
+            </a:r>
+            <a:endParaRPr lang="pt-BR" dirty="0"/>
+          </a:p>
+          <a:p>
+            <a:r>
+              <a:rPr lang="pt-BR" dirty="0"/>
+              <a:t>O SPIKE Prime não tem tela, mas você pode visualizar os dados de sensores com o Hub Dashboard.</a:t>
             </a:r>
           </a:p>
         </p:txBody>
@@ -6465,8 +6620,44 @@
           <a:lstStyle/>
           <a:p>
             <a:r>
+              <a:rPr lang="en-US" dirty="0" err="1"/>
+              <a:t>Você</a:t>
+            </a:r>
+            <a:r>
               <a:rPr lang="en-US" dirty="0"/>
-              <a:t>You must be Connected to hub</a:t>
+              <a:t> </a:t>
+            </a:r>
+            <a:r>
+              <a:rPr lang="en-US" dirty="0" err="1"/>
+              <a:t>deve</a:t>
+            </a:r>
+            <a:r>
+              <a:rPr lang="en-US" dirty="0"/>
+              <a:t> </a:t>
+            </a:r>
+            <a:r>
+              <a:rPr lang="en-US" dirty="0" err="1"/>
+              <a:t>estar</a:t>
+            </a:r>
+            <a:r>
+              <a:rPr lang="en-US" dirty="0"/>
+              <a:t> </a:t>
+            </a:r>
+            <a:r>
+              <a:rPr lang="en-US" dirty="0" err="1"/>
+              <a:t>conectado</a:t>
+            </a:r>
+            <a:r>
+              <a:rPr lang="en-US" dirty="0"/>
+              <a:t> </a:t>
+            </a:r>
+            <a:r>
+              <a:rPr lang="en-US" dirty="0" err="1"/>
+              <a:t>ao</a:t>
+            </a:r>
+            <a:r>
+              <a:rPr lang="en-US" dirty="0"/>
+              <a:t> hub</a:t>
             </a:r>
           </a:p>
         </p:txBody>
@@ -6494,8 +6685,8 @@
           <a:lstStyle/>
           <a:p>
             <a:r>
-              <a:rPr lang="en-US" dirty="0"/>
-              <a:t>To view any sensor data, you must first be connected to the Hub</a:t>
+              <a:rPr lang="pt-BR" dirty="0"/>
+              <a:t>Para visualizar qualquer dado, primeiro você deve se conectar ao Hub</a:t>
             </a:r>
           </a:p>
         </p:txBody>
@@ -6806,9 +6997,42 @@
           <a:lstStyle/>
           <a:p>
             <a:r>
+              <a:rPr lang="en-US" dirty="0" err="1"/>
+              <a:t>Valores</a:t>
+            </a:r>
+            <a:r>
               <a:rPr lang="en-US" dirty="0"/>
-              <a:t>Sensor values on Project page</a:t>
-            </a:r>
+              <a:t> dos </a:t>
+            </a:r>
+            <a:r>
+              <a:rPr lang="en-US" dirty="0" err="1"/>
+              <a:t>sensores</a:t>
+            </a:r>
+            <a:r>
+              <a:rPr lang="en-US" dirty="0"/>
+              <a:t> </a:t>
+            </a:r>
+            <a:r>
+              <a:rPr lang="en-US" dirty="0" err="1"/>
+              <a:t>na</a:t>
+            </a:r>
+            <a:r>
+              <a:rPr lang="en-US" dirty="0"/>
+              <a:t> </a:t>
+            </a:r>
+            <a:r>
+              <a:rPr lang="en-US" dirty="0" err="1"/>
+              <a:t>página</a:t>
+            </a:r>
+            <a:r>
+              <a:rPr lang="en-US" dirty="0"/>
+              <a:t> do </a:t>
+            </a:r>
+            <a:r>
+              <a:rPr lang="en-US" dirty="0" err="1"/>
+              <a:t>projeto</a:t>
+            </a:r>
+            <a:endParaRPr lang="en-US" dirty="0"/>
           </a:p>
         </p:txBody>
       </p:sp>
@@ -7136,8 +7360,8 @@
           </a:lstStyle>
           <a:p>
             <a:r>
-              <a:rPr lang="en-US" dirty="0"/>
-              <a:t>Once connected to the Hub, Sensor and Motor Values are visible on the top of each Project page</a:t>
+              <a:rPr lang="pt-BR" dirty="0"/>
+              <a:t>Uma vez conectado ao Hub, valores de sensores e motores são visíveis no topo de cada projeto.</a:t>
             </a:r>
           </a:p>
         </p:txBody>
@@ -7194,8 +7418,20 @@
           <a:lstStyle/>
           <a:p>
             <a:r>
+              <a:rPr lang="en-US" dirty="0" err="1"/>
+              <a:t>Valores</a:t>
+            </a:r>
+            <a:r>
               <a:rPr lang="en-US" dirty="0"/>
-              <a:t>Sensor values on DASHBOARD</a:t>
+              <a:t> dos </a:t>
+            </a:r>
+            <a:r>
+              <a:rPr lang="en-US" dirty="0" err="1"/>
+              <a:t>sensores</a:t>
+            </a:r>
+            <a:r>
+              <a:rPr lang="en-US" dirty="0"/>
+              <a:t> no Dashboard</a:t>
             </a:r>
           </a:p>
         </p:txBody>
@@ -7227,8 +7463,8 @@
           <a:lstStyle/>
           <a:p>
             <a:r>
-              <a:rPr lang="en-US" dirty="0"/>
-              <a:t>Clicking on the SPIKE Prime Hub Icon takes you to the Hub Dashboard where you can see more sensor data</a:t>
+              <a:rPr lang="pt-BR" dirty="0"/>
+              <a:t>Ao clicar no ícone do Hub você é levado ao Dashboard onde pode ver mais dados de sensores.</a:t>
             </a:r>
           </a:p>
         </p:txBody>
@@ -7465,7 +7701,23 @@
           <a:p>
             <a:r>
               <a:rPr lang="en-US" dirty="0"/>
-              <a:t>More sensor data on the dashboard</a:t>
+              <a:t>Dados </a:t>
+            </a:r>
+            <a:r>
+              <a:rPr lang="en-US" dirty="0" err="1"/>
+              <a:t>mais</a:t>
+            </a:r>
+            <a:r>
+              <a:rPr lang="en-US" dirty="0"/>
+              <a:t> </a:t>
+            </a:r>
+            <a:r>
+              <a:rPr lang="en-US" dirty="0" err="1"/>
+              <a:t>detalhados</a:t>
+            </a:r>
+            <a:r>
+              <a:rPr lang="en-US" dirty="0"/>
+              <a:t> no dashboard</a:t>
             </a:r>
           </a:p>
         </p:txBody>
@@ -7497,20 +7749,20 @@
           <a:lstStyle/>
           <a:p>
             <a:r>
-              <a:rPr lang="en-US" dirty="0"/>
-              <a:t>From the Hub Dashboard, you can also see a lot of additional information about each sensor and motor you have connected to the hub</a:t>
-            </a:r>
-          </a:p>
-          <a:p>
-            <a:r>
-              <a:rPr lang="en-US" dirty="0"/>
-              <a:t>Select the mode using the down arrow</a:t>
-            </a:r>
-          </a:p>
-          <a:p>
-            <a:r>
-              <a:rPr lang="en-US" dirty="0"/>
-              <a:t>You can also see values for the built-in gyro sensor</a:t>
+              <a:rPr lang="pt-BR" dirty="0"/>
+              <a:t>Através do Dashboard você pode obter informações extras sobre cada motor e sensor conectados.</a:t>
+            </a:r>
+          </a:p>
+          <a:p>
+            <a:r>
+              <a:rPr lang="pt-BR" dirty="0"/>
+              <a:t>Selecione o modo usando a seta para baixo.</a:t>
+            </a:r>
+          </a:p>
+          <a:p>
+            <a:r>
+              <a:rPr lang="pt-BR" dirty="0"/>
+              <a:t>Você também tem acesso aos dados do giroscópio.</a:t>
             </a:r>
           </a:p>
         </p:txBody>
@@ -7741,13 +7993,18 @@
           <a:lstStyle/>
           <a:p>
             <a:r>
-              <a:rPr lang="en-US" dirty="0">
+              <a:rPr lang="en-US" dirty="0" err="1">
                 <a:solidFill>
                   <a:schemeClr val="tx2"/>
                 </a:solidFill>
               </a:rPr>
-              <a:t>Gyro Sensor</a:t>
-            </a:r>
+              <a:t>Giroscópio</a:t>
+            </a:r>
+            <a:endParaRPr lang="en-US" dirty="0">
+              <a:solidFill>
+                <a:schemeClr val="tx2"/>
+              </a:solidFill>
+            </a:endParaRPr>
           </a:p>
         </p:txBody>
       </p:sp>
@@ -7785,8 +8042,21 @@
                   <a:schemeClr val="tx2"/>
                 </a:solidFill>
               </a:rPr>
-              <a:t>Color Sensor</a:t>
-            </a:r>
+              <a:t>Sensor de </a:t>
+            </a:r>
+            <a:r>
+              <a:rPr lang="en-US" dirty="0" err="1">
+                <a:solidFill>
+                  <a:schemeClr val="tx2"/>
+                </a:solidFill>
+              </a:rPr>
+              <a:t>cor</a:t>
+            </a:r>
+            <a:endParaRPr lang="en-US" dirty="0">
+              <a:solidFill>
+                <a:schemeClr val="tx2"/>
+              </a:solidFill>
+            </a:endParaRPr>
           </a:p>
         </p:txBody>
       </p:sp>
@@ -7819,13 +8089,18 @@
           <a:lstStyle/>
           <a:p>
             <a:r>
-              <a:rPr lang="en-US" dirty="0">
+              <a:rPr lang="en-US" dirty="0" err="1">
                 <a:solidFill>
                   <a:schemeClr val="tx2"/>
                 </a:solidFill>
               </a:rPr>
-              <a:t>Force Sensor</a:t>
-            </a:r>
+              <a:t>Motores</a:t>
+            </a:r>
+            <a:endParaRPr lang="en-US" dirty="0">
+              <a:solidFill>
+                <a:schemeClr val="tx2"/>
+              </a:solidFill>
+            </a:endParaRPr>
           </a:p>
         </p:txBody>
       </p:sp>
@@ -7863,8 +8138,21 @@
                   <a:schemeClr val="tx2"/>
                 </a:solidFill>
               </a:rPr>
-              <a:t>Distance Sensor</a:t>
-            </a:r>
+              <a:t>Sensor de </a:t>
+            </a:r>
+            <a:r>
+              <a:rPr lang="en-US" dirty="0" err="1">
+                <a:solidFill>
+                  <a:schemeClr val="tx2"/>
+                </a:solidFill>
+              </a:rPr>
+              <a:t>distância</a:t>
+            </a:r>
+            <a:endParaRPr lang="en-US" dirty="0">
+              <a:solidFill>
+                <a:schemeClr val="tx2"/>
+              </a:solidFill>
+            </a:endParaRPr>
           </a:p>
         </p:txBody>
       </p:sp>
@@ -8181,8 +8469,29 @@
           <a:p>
             <a:r>
               <a:rPr lang="en-US" dirty="0"/>
-              <a:t>Sensor data is powerful</a:t>
-            </a:r>
+              <a:t>Dados de </a:t>
+            </a:r>
+            <a:r>
+              <a:rPr lang="en-US" dirty="0" err="1"/>
+              <a:t>Sensores</a:t>
+            </a:r>
+            <a:r>
+              <a:rPr lang="en-US" dirty="0"/>
+              <a:t> </a:t>
+            </a:r>
+            <a:r>
+              <a:rPr lang="en-US" dirty="0" err="1"/>
+              <a:t>são</a:t>
+            </a:r>
+            <a:r>
+              <a:rPr lang="en-US" dirty="0"/>
+              <a:t> </a:t>
+            </a:r>
+            <a:r>
+              <a:rPr lang="en-US" dirty="0" err="1"/>
+              <a:t>poderosos</a:t>
+            </a:r>
+            <a:endParaRPr lang="en-US" dirty="0"/>
           </a:p>
         </p:txBody>
       </p:sp>
@@ -8208,27 +8517,33 @@
           <a:lstStyle/>
           <a:p>
             <a:r>
-              <a:rPr lang="en-US" dirty="0"/>
-              <a:t>Sensor data can help you program better and also help you debug your code</a:t>
-            </a:r>
-          </a:p>
-          <a:p>
-            <a:r>
-              <a:rPr lang="en-US" dirty="0"/>
-              <a:t>As you go through the rest of our lessons, you will use this feature often. </a:t>
-            </a:r>
-          </a:p>
-          <a:p>
-            <a:r>
-              <a:rPr lang="en-US" dirty="0"/>
-              <a:t>As you complete each challenge, think about how knowing sensor data might help you.</a:t>
-            </a:r>
-          </a:p>
-          <a:p>
-            <a:r>
-              <a:rPr lang="en-US" dirty="0"/>
-              <a:t>The next page has many several examples to think about.</a:t>
-            </a:r>
+              <a:rPr lang="pt-BR" dirty="0"/>
+              <a:t>Dados de sensores te ajudam a programar melhor e a resolver bugs</a:t>
+            </a:r>
+          </a:p>
+          <a:p>
+            <a:r>
+              <a:rPr lang="pt-BR" dirty="0"/>
+              <a:t>Em nossos outros tutoriais usaremos sensores com frequência.</a:t>
+            </a:r>
+          </a:p>
+          <a:p>
+            <a:r>
+              <a:rPr lang="pt-BR" dirty="0"/>
+              <a:t>Conforme você completa cada desafio irá perceber como os sensores lhe ajudam.</a:t>
+            </a:r>
+          </a:p>
+          <a:p>
+            <a:r>
+              <a:rPr lang="pt-BR" dirty="0"/>
+              <a:t>O próximo slide contém vários exemplos para refletir sobre.</a:t>
+            </a:r>
+          </a:p>
+          <a:p>
+            <a:pPr marL="0" indent="0">
+              <a:buNone/>
+            </a:pPr>
+            <a:endParaRPr lang="pt-BR" dirty="0"/>
           </a:p>
         </p:txBody>
       </p:sp>
@@ -8338,12 +8653,42 @@
         </p:nvSpPr>
         <p:spPr/>
         <p:txBody>
-          <a:bodyPr/>
+          <a:bodyPr>
+            <a:normAutofit/>
+          </a:bodyPr>
           <a:lstStyle/>
           <a:p>
             <a:r>
+              <a:rPr lang="en-US" dirty="0" err="1"/>
+              <a:t>Quando</a:t>
+            </a:r>
+            <a:r>
               <a:rPr lang="en-US" dirty="0"/>
-              <a:t>When can sensor data can help?</a:t>
+              <a:t> </a:t>
+            </a:r>
+            <a:r>
+              <a:rPr lang="en-US" dirty="0" err="1"/>
+              <a:t>esses</a:t>
+            </a:r>
+            <a:r>
+              <a:rPr lang="en-US" dirty="0"/>
+              <a:t> dados </a:t>
+            </a:r>
+            <a:r>
+              <a:rPr lang="en-US" dirty="0" err="1"/>
+              <a:t>são</a:t>
+            </a:r>
+            <a:r>
+              <a:rPr lang="en-US" dirty="0"/>
+              <a:t> </a:t>
+            </a:r>
+            <a:r>
+              <a:rPr lang="en-US" dirty="0" err="1"/>
+              <a:t>úteis</a:t>
+            </a:r>
+            <a:r>
+              <a:rPr lang="en-US" dirty="0"/>
+              <a:t>?</a:t>
             </a:r>
           </a:p>
         </p:txBody>
@@ -8370,51 +8715,85 @@
           <a:lstStyle/>
           <a:p>
             <a:r>
-              <a:rPr lang="en-US" b="1" dirty="0">
+              <a:rPr lang="pt-BR" b="1" dirty="0">
                 <a:solidFill>
                   <a:schemeClr val="tx1"/>
                 </a:solidFill>
               </a:rPr>
-              <a:t>Reduce Guess-and-Check: </a:t>
-            </a:r>
-            <a:r>
-              <a:rPr lang="en-US" dirty="0">
+              <a:t>Reduz tentativa e erro:</a:t>
+            </a:r>
+            <a:r>
+              <a:rPr lang="pt-BR" dirty="0">
                 <a:solidFill>
                   <a:schemeClr val="tx1"/>
                 </a:solidFill>
               </a:rPr>
-              <a:t>I want my robot to turn a particular amount, but I am not sure how much to turn without guessing.</a:t>
-            </a:r>
-          </a:p>
-          <a:p>
-            <a:r>
-              <a:rPr lang="en-US" b="1" dirty="0"/>
-              <a:t>Debug Code: </a:t>
-            </a:r>
-            <a:r>
-              <a:rPr lang="en-US" dirty="0"/>
-              <a:t>The robot does not follow the green line like I programmed it to do. Why not? What color does the robot think that green line is? </a:t>
-            </a:r>
-          </a:p>
-          <a:p>
-            <a:r>
-              <a:rPr lang="en-US" b="1" dirty="0"/>
-              <a:t>Check Builds: </a:t>
-            </a:r>
-            <a:r>
-              <a:rPr lang="en-US" dirty="0"/>
-              <a:t>I built my robot with the Force sensor a little bit inside the robot. I am not sure that the Force sensor is getting pressed enough. How can I make sure the sensor is getting pressed? </a:t>
-            </a:r>
-          </a:p>
-          <a:p>
-            <a:r>
-              <a:rPr lang="en-US" b="1" dirty="0"/>
-              <a:t>Test Sensors: </a:t>
-            </a:r>
-            <a:r>
-              <a:rPr lang="en-US" dirty="0"/>
-              <a:t>I told my robot to stop when the Distance sensor is 20cm away. But it seems to stop earlier. Is the sensor working correctly? How can I see what the Distance sensor sees?</a:t>
-            </a:r>
+              <a:t>  Eu desejo que o robô faça uma determinada curva, mas não estou seguro quanto ao valor. Como posso prevê-lo sem chutar?</a:t>
+            </a:r>
+          </a:p>
+          <a:p>
+            <a:r>
+              <a:rPr lang="pt-BR" b="1" dirty="0">
+                <a:solidFill>
+                  <a:schemeClr val="tx1"/>
+                </a:solidFill>
+              </a:rPr>
+              <a:t>Solucionar bugs: </a:t>
+            </a:r>
+            <a:r>
+              <a:rPr lang="pt-BR" dirty="0">
+                <a:solidFill>
+                  <a:schemeClr val="tx1"/>
+                </a:solidFill>
+              </a:rPr>
+              <a:t>O robô falhou em seguir a linha verde como eu programei. Porque isso ocorreu? Qual cor o robô viu?</a:t>
+            </a:r>
+          </a:p>
+          <a:p>
+            <a:r>
+              <a:rPr lang="pt-BR" b="1" dirty="0">
+                <a:solidFill>
+                  <a:schemeClr val="tx1"/>
+                </a:solidFill>
+              </a:rPr>
+              <a:t>Verificar montagens: </a:t>
+            </a:r>
+            <a:r>
+              <a:rPr lang="pt-BR" dirty="0">
+                <a:solidFill>
+                  <a:schemeClr val="tx1"/>
+                </a:solidFill>
+              </a:rPr>
+              <a:t>Eu construí meu robô com o sensor de força um pouco dentro do mesmo. Não tenho certeza que o sensor de força está sendo pressionado o suficiente. Como verificar isto?</a:t>
+            </a:r>
+          </a:p>
+          <a:p>
+            <a:r>
+              <a:rPr lang="pt-BR" b="1" dirty="0">
+                <a:solidFill>
+                  <a:schemeClr val="tx1"/>
+                </a:solidFill>
+              </a:rPr>
+              <a:t>Testar sensores: </a:t>
+            </a:r>
+            <a:r>
+              <a:rPr lang="pt-BR" dirty="0">
+                <a:solidFill>
+                  <a:schemeClr val="tx1"/>
+                </a:solidFill>
+              </a:rPr>
+              <a:t>Eu programei meu robô para parar a 20 cm de um objeto. Mas ele parou antes. O sensor esta funcionando corretamente? Como eu posso ver o que o sensor de distancia vê?</a:t>
+            </a:r>
+          </a:p>
+          <a:p>
+            <a:pPr marL="0" indent="0">
+              <a:buNone/>
+            </a:pPr>
+            <a:endParaRPr lang="pt-BR" b="1" dirty="0">
+              <a:solidFill>
+                <a:schemeClr val="tx1"/>
+              </a:solidFill>
+            </a:endParaRPr>
           </a:p>
         </p:txBody>
       </p:sp>
